--- a/ppt 16-9/0970.大能勇士.pptx
+++ b/ppt 16-9/0970.大能勇士.pptx
@@ -129,7 +129,7 @@
           <p:cNvPr id="2" name="标题 1">
             <a:extLst>
               <a:ext uri="{FF2B5EF4-FFF2-40B4-BE49-F238E27FC236}">
-                <a16:creationId xmlns:a16="http://schemas.microsoft.com/office/drawing/2014/main" id="{C811A24A-355D-EFB2-135B-B4F7057BF74A}"/>
+                <a16:creationId xmlns:a16="http://schemas.microsoft.com/office/drawing/2014/main" id="{CBD6640E-76A1-9619-EA82-E8363D1514A6}"/>
               </a:ext>
             </a:extLst>
           </p:cNvPr>
@@ -166,7 +166,7 @@
           <p:cNvPr id="3" name="副标题 2">
             <a:extLst>
               <a:ext uri="{FF2B5EF4-FFF2-40B4-BE49-F238E27FC236}">
-                <a16:creationId xmlns:a16="http://schemas.microsoft.com/office/drawing/2014/main" id="{7F0E3948-1D7C-9627-744F-D6B743FFE309}"/>
+                <a16:creationId xmlns:a16="http://schemas.microsoft.com/office/drawing/2014/main" id="{8FD23E96-268D-1906-8D86-0257E336B569}"/>
               </a:ext>
             </a:extLst>
           </p:cNvPr>
@@ -236,7 +236,7 @@
           <p:cNvPr id="4" name="日期占位符 3">
             <a:extLst>
               <a:ext uri="{FF2B5EF4-FFF2-40B4-BE49-F238E27FC236}">
-                <a16:creationId xmlns:a16="http://schemas.microsoft.com/office/drawing/2014/main" id="{22F808D0-EFFB-6D0D-4D19-088B936E6635}"/>
+                <a16:creationId xmlns:a16="http://schemas.microsoft.com/office/drawing/2014/main" id="{B6CCEDCC-5539-4995-5D53-9322FD91318E}"/>
               </a:ext>
             </a:extLst>
           </p:cNvPr>
@@ -252,7 +252,7 @@
           <a:bodyPr/>
           <a:lstStyle/>
           <a:p>
-            <a:fld id="{7BB8B0DA-6FC2-4366-B4B0-D38612B2652C}" type="datetimeFigureOut">
+            <a:fld id="{5D507E84-3CF1-4785-A018-CE3C0465EEF8}" type="datetimeFigureOut">
               <a:rPr lang="zh-CN" altLang="en-US" smtClean="0"/>
               <a:t>2024/3/10</a:t>
             </a:fld>
@@ -265,7 +265,7 @@
           <p:cNvPr id="5" name="页脚占位符 4">
             <a:extLst>
               <a:ext uri="{FF2B5EF4-FFF2-40B4-BE49-F238E27FC236}">
-                <a16:creationId xmlns:a16="http://schemas.microsoft.com/office/drawing/2014/main" id="{56BEDAF3-5058-34A7-CE81-79FFDF2E75CD}"/>
+                <a16:creationId xmlns:a16="http://schemas.microsoft.com/office/drawing/2014/main" id="{F852A175-CF46-76D1-DB36-035B58523B4F}"/>
               </a:ext>
             </a:extLst>
           </p:cNvPr>
@@ -290,7 +290,7 @@
           <p:cNvPr id="6" name="灯片编号占位符 5">
             <a:extLst>
               <a:ext uri="{FF2B5EF4-FFF2-40B4-BE49-F238E27FC236}">
-                <a16:creationId xmlns:a16="http://schemas.microsoft.com/office/drawing/2014/main" id="{B1B9DC73-D6B3-BF3B-7693-B34F39C91A68}"/>
+                <a16:creationId xmlns:a16="http://schemas.microsoft.com/office/drawing/2014/main" id="{01186457-89EB-52D5-9108-FB7628612F79}"/>
               </a:ext>
             </a:extLst>
           </p:cNvPr>
@@ -306,7 +306,7 @@
           <a:bodyPr/>
           <a:lstStyle/>
           <a:p>
-            <a:fld id="{F6154162-8A0E-4AC0-B85F-47D63265E4CD}" type="slidenum">
+            <a:fld id="{66256C2F-E375-4145-9B66-D744EE1DA6D8}" type="slidenum">
               <a:rPr lang="zh-CN" altLang="en-US" smtClean="0"/>
               <a:t>‹#›</a:t>
             </a:fld>
@@ -317,7 +317,7 @@
     </p:spTree>
     <p:extLst>
       <p:ext uri="{BB962C8B-B14F-4D97-AF65-F5344CB8AC3E}">
-        <p14:creationId xmlns:p14="http://schemas.microsoft.com/office/powerpoint/2010/main" val="103801271"/>
+        <p14:creationId xmlns:p14="http://schemas.microsoft.com/office/powerpoint/2010/main" val="782610373"/>
       </p:ext>
     </p:extLst>
   </p:cSld>
@@ -349,7 +349,7 @@
           <p:cNvPr id="2" name="标题 1">
             <a:extLst>
               <a:ext uri="{FF2B5EF4-FFF2-40B4-BE49-F238E27FC236}">
-                <a16:creationId xmlns:a16="http://schemas.microsoft.com/office/drawing/2014/main" id="{DC10CA41-0A8C-D83F-C474-C460C5E66B21}"/>
+                <a16:creationId xmlns:a16="http://schemas.microsoft.com/office/drawing/2014/main" id="{58C220A4-AD7A-9D4B-D1C1-C6555AB854D3}"/>
               </a:ext>
             </a:extLst>
           </p:cNvPr>
@@ -377,7 +377,7 @@
           <p:cNvPr id="3" name="竖排文字占位符 2">
             <a:extLst>
               <a:ext uri="{FF2B5EF4-FFF2-40B4-BE49-F238E27FC236}">
-                <a16:creationId xmlns:a16="http://schemas.microsoft.com/office/drawing/2014/main" id="{A64779ED-B899-30BB-247B-CCC597FD1526}"/>
+                <a16:creationId xmlns:a16="http://schemas.microsoft.com/office/drawing/2014/main" id="{707759C3-3B65-3CA5-8B87-3F9872F64D5B}"/>
               </a:ext>
             </a:extLst>
           </p:cNvPr>
@@ -434,7 +434,7 @@
           <p:cNvPr id="4" name="日期占位符 3">
             <a:extLst>
               <a:ext uri="{FF2B5EF4-FFF2-40B4-BE49-F238E27FC236}">
-                <a16:creationId xmlns:a16="http://schemas.microsoft.com/office/drawing/2014/main" id="{FCF4858B-9437-C7CD-22C8-3C782FC25C62}"/>
+                <a16:creationId xmlns:a16="http://schemas.microsoft.com/office/drawing/2014/main" id="{1154F45C-FB94-944F-6200-3CEC50566F28}"/>
               </a:ext>
             </a:extLst>
           </p:cNvPr>
@@ -450,7 +450,7 @@
           <a:bodyPr/>
           <a:lstStyle/>
           <a:p>
-            <a:fld id="{7BB8B0DA-6FC2-4366-B4B0-D38612B2652C}" type="datetimeFigureOut">
+            <a:fld id="{5D507E84-3CF1-4785-A018-CE3C0465EEF8}" type="datetimeFigureOut">
               <a:rPr lang="zh-CN" altLang="en-US" smtClean="0"/>
               <a:t>2024/3/10</a:t>
             </a:fld>
@@ -463,7 +463,7 @@
           <p:cNvPr id="5" name="页脚占位符 4">
             <a:extLst>
               <a:ext uri="{FF2B5EF4-FFF2-40B4-BE49-F238E27FC236}">
-                <a16:creationId xmlns:a16="http://schemas.microsoft.com/office/drawing/2014/main" id="{B583BD33-A19B-AEA1-B870-CCBCA665E1C8}"/>
+                <a16:creationId xmlns:a16="http://schemas.microsoft.com/office/drawing/2014/main" id="{75CEE6C9-CC0B-C9AC-7474-0EF7119C7233}"/>
               </a:ext>
             </a:extLst>
           </p:cNvPr>
@@ -488,7 +488,7 @@
           <p:cNvPr id="6" name="灯片编号占位符 5">
             <a:extLst>
               <a:ext uri="{FF2B5EF4-FFF2-40B4-BE49-F238E27FC236}">
-                <a16:creationId xmlns:a16="http://schemas.microsoft.com/office/drawing/2014/main" id="{F68DB355-7C58-4BB1-EF3D-8FE9C6B90CAE}"/>
+                <a16:creationId xmlns:a16="http://schemas.microsoft.com/office/drawing/2014/main" id="{2302E290-F453-ED4B-459B-9C762D2A013D}"/>
               </a:ext>
             </a:extLst>
           </p:cNvPr>
@@ -504,7 +504,7 @@
           <a:bodyPr/>
           <a:lstStyle/>
           <a:p>
-            <a:fld id="{F6154162-8A0E-4AC0-B85F-47D63265E4CD}" type="slidenum">
+            <a:fld id="{66256C2F-E375-4145-9B66-D744EE1DA6D8}" type="slidenum">
               <a:rPr lang="zh-CN" altLang="en-US" smtClean="0"/>
               <a:t>‹#›</a:t>
             </a:fld>
@@ -515,7 +515,7 @@
     </p:spTree>
     <p:extLst>
       <p:ext uri="{BB962C8B-B14F-4D97-AF65-F5344CB8AC3E}">
-        <p14:creationId xmlns:p14="http://schemas.microsoft.com/office/powerpoint/2010/main" val="3802054872"/>
+        <p14:creationId xmlns:p14="http://schemas.microsoft.com/office/powerpoint/2010/main" val="1251752672"/>
       </p:ext>
     </p:extLst>
   </p:cSld>
@@ -547,7 +547,7 @@
           <p:cNvPr id="2" name="竖排标题 1">
             <a:extLst>
               <a:ext uri="{FF2B5EF4-FFF2-40B4-BE49-F238E27FC236}">
-                <a16:creationId xmlns:a16="http://schemas.microsoft.com/office/drawing/2014/main" id="{11372A4E-CC9E-E7DE-1230-993C43611D9C}"/>
+                <a16:creationId xmlns:a16="http://schemas.microsoft.com/office/drawing/2014/main" id="{C45F636E-D6EB-5DAB-8923-8F5474ACB335}"/>
               </a:ext>
             </a:extLst>
           </p:cNvPr>
@@ -580,7 +580,7 @@
           <p:cNvPr id="3" name="竖排文字占位符 2">
             <a:extLst>
               <a:ext uri="{FF2B5EF4-FFF2-40B4-BE49-F238E27FC236}">
-                <a16:creationId xmlns:a16="http://schemas.microsoft.com/office/drawing/2014/main" id="{049C8F4B-26C3-A05F-1BE8-98425C0BDECE}"/>
+                <a16:creationId xmlns:a16="http://schemas.microsoft.com/office/drawing/2014/main" id="{5A4F6A89-A4ED-1D2C-D375-1C78BECA4BDA}"/>
               </a:ext>
             </a:extLst>
           </p:cNvPr>
@@ -642,7 +642,7 @@
           <p:cNvPr id="4" name="日期占位符 3">
             <a:extLst>
               <a:ext uri="{FF2B5EF4-FFF2-40B4-BE49-F238E27FC236}">
-                <a16:creationId xmlns:a16="http://schemas.microsoft.com/office/drawing/2014/main" id="{EECE27CE-3FA8-AF89-C03D-75A223EA1A52}"/>
+                <a16:creationId xmlns:a16="http://schemas.microsoft.com/office/drawing/2014/main" id="{3D8F0C0B-A1E8-EF1C-2956-8498A081CA89}"/>
               </a:ext>
             </a:extLst>
           </p:cNvPr>
@@ -658,7 +658,7 @@
           <a:bodyPr/>
           <a:lstStyle/>
           <a:p>
-            <a:fld id="{7BB8B0DA-6FC2-4366-B4B0-D38612B2652C}" type="datetimeFigureOut">
+            <a:fld id="{5D507E84-3CF1-4785-A018-CE3C0465EEF8}" type="datetimeFigureOut">
               <a:rPr lang="zh-CN" altLang="en-US" smtClean="0"/>
               <a:t>2024/3/10</a:t>
             </a:fld>
@@ -671,7 +671,7 @@
           <p:cNvPr id="5" name="页脚占位符 4">
             <a:extLst>
               <a:ext uri="{FF2B5EF4-FFF2-40B4-BE49-F238E27FC236}">
-                <a16:creationId xmlns:a16="http://schemas.microsoft.com/office/drawing/2014/main" id="{465098BE-EC73-EC02-AF35-C3CAB740C842}"/>
+                <a16:creationId xmlns:a16="http://schemas.microsoft.com/office/drawing/2014/main" id="{3A357EA9-1EBE-376C-39AA-D95D7A90D1A2}"/>
               </a:ext>
             </a:extLst>
           </p:cNvPr>
@@ -696,7 +696,7 @@
           <p:cNvPr id="6" name="灯片编号占位符 5">
             <a:extLst>
               <a:ext uri="{FF2B5EF4-FFF2-40B4-BE49-F238E27FC236}">
-                <a16:creationId xmlns:a16="http://schemas.microsoft.com/office/drawing/2014/main" id="{EF9B55C6-6D5F-C017-1A5C-6530A2480B95}"/>
+                <a16:creationId xmlns:a16="http://schemas.microsoft.com/office/drawing/2014/main" id="{3C8084BD-3288-FB1C-EE06-315C2505F70B}"/>
               </a:ext>
             </a:extLst>
           </p:cNvPr>
@@ -712,7 +712,7 @@
           <a:bodyPr/>
           <a:lstStyle/>
           <a:p>
-            <a:fld id="{F6154162-8A0E-4AC0-B85F-47D63265E4CD}" type="slidenum">
+            <a:fld id="{66256C2F-E375-4145-9B66-D744EE1DA6D8}" type="slidenum">
               <a:rPr lang="zh-CN" altLang="en-US" smtClean="0"/>
               <a:t>‹#›</a:t>
             </a:fld>
@@ -723,7 +723,7 @@
     </p:spTree>
     <p:extLst>
       <p:ext uri="{BB962C8B-B14F-4D97-AF65-F5344CB8AC3E}">
-        <p14:creationId xmlns:p14="http://schemas.microsoft.com/office/powerpoint/2010/main" val="3678807442"/>
+        <p14:creationId xmlns:p14="http://schemas.microsoft.com/office/powerpoint/2010/main" val="343475216"/>
       </p:ext>
     </p:extLst>
   </p:cSld>
@@ -755,7 +755,7 @@
           <p:cNvPr id="2" name="标题 1">
             <a:extLst>
               <a:ext uri="{FF2B5EF4-FFF2-40B4-BE49-F238E27FC236}">
-                <a16:creationId xmlns:a16="http://schemas.microsoft.com/office/drawing/2014/main" id="{FD1CE828-CCFB-446E-88C4-3ACED6381725}"/>
+                <a16:creationId xmlns:a16="http://schemas.microsoft.com/office/drawing/2014/main" id="{353D57C8-8A4D-3AEE-6FF0-C6271BF4F489}"/>
               </a:ext>
             </a:extLst>
           </p:cNvPr>
@@ -783,7 +783,7 @@
           <p:cNvPr id="3" name="内容占位符 2">
             <a:extLst>
               <a:ext uri="{FF2B5EF4-FFF2-40B4-BE49-F238E27FC236}">
-                <a16:creationId xmlns:a16="http://schemas.microsoft.com/office/drawing/2014/main" id="{5BDF1181-47B6-C4C0-BBEE-6C6BA0B9FA78}"/>
+                <a16:creationId xmlns:a16="http://schemas.microsoft.com/office/drawing/2014/main" id="{A7B8828B-C6D5-B788-7E0B-B671E00F3DE8}"/>
               </a:ext>
             </a:extLst>
           </p:cNvPr>
@@ -840,7 +840,7 @@
           <p:cNvPr id="4" name="日期占位符 3">
             <a:extLst>
               <a:ext uri="{FF2B5EF4-FFF2-40B4-BE49-F238E27FC236}">
-                <a16:creationId xmlns:a16="http://schemas.microsoft.com/office/drawing/2014/main" id="{2BD8C380-20B6-F42B-4681-A43F6482AC63}"/>
+                <a16:creationId xmlns:a16="http://schemas.microsoft.com/office/drawing/2014/main" id="{438C5AF2-2F06-FFE0-4322-25E243A3FB18}"/>
               </a:ext>
             </a:extLst>
           </p:cNvPr>
@@ -856,7 +856,7 @@
           <a:bodyPr/>
           <a:lstStyle/>
           <a:p>
-            <a:fld id="{7BB8B0DA-6FC2-4366-B4B0-D38612B2652C}" type="datetimeFigureOut">
+            <a:fld id="{5D507E84-3CF1-4785-A018-CE3C0465EEF8}" type="datetimeFigureOut">
               <a:rPr lang="zh-CN" altLang="en-US" smtClean="0"/>
               <a:t>2024/3/10</a:t>
             </a:fld>
@@ -869,7 +869,7 @@
           <p:cNvPr id="5" name="页脚占位符 4">
             <a:extLst>
               <a:ext uri="{FF2B5EF4-FFF2-40B4-BE49-F238E27FC236}">
-                <a16:creationId xmlns:a16="http://schemas.microsoft.com/office/drawing/2014/main" id="{17DF7B9C-EC13-6939-B4C0-A23AE6D8E34E}"/>
+                <a16:creationId xmlns:a16="http://schemas.microsoft.com/office/drawing/2014/main" id="{DF81F4BD-705D-E630-B40B-EC8C8773BB6B}"/>
               </a:ext>
             </a:extLst>
           </p:cNvPr>
@@ -894,7 +894,7 @@
           <p:cNvPr id="6" name="灯片编号占位符 5">
             <a:extLst>
               <a:ext uri="{FF2B5EF4-FFF2-40B4-BE49-F238E27FC236}">
-                <a16:creationId xmlns:a16="http://schemas.microsoft.com/office/drawing/2014/main" id="{D2140EB1-975C-FB36-9DF1-0D7AED1C10C9}"/>
+                <a16:creationId xmlns:a16="http://schemas.microsoft.com/office/drawing/2014/main" id="{13212C42-2A2C-ED00-A679-52A5EE1FDC44}"/>
               </a:ext>
             </a:extLst>
           </p:cNvPr>
@@ -910,7 +910,7 @@
           <a:bodyPr/>
           <a:lstStyle/>
           <a:p>
-            <a:fld id="{F6154162-8A0E-4AC0-B85F-47D63265E4CD}" type="slidenum">
+            <a:fld id="{66256C2F-E375-4145-9B66-D744EE1DA6D8}" type="slidenum">
               <a:rPr lang="zh-CN" altLang="en-US" smtClean="0"/>
               <a:t>‹#›</a:t>
             </a:fld>
@@ -921,7 +921,7 @@
     </p:spTree>
     <p:extLst>
       <p:ext uri="{BB962C8B-B14F-4D97-AF65-F5344CB8AC3E}">
-        <p14:creationId xmlns:p14="http://schemas.microsoft.com/office/powerpoint/2010/main" val="1034247292"/>
+        <p14:creationId xmlns:p14="http://schemas.microsoft.com/office/powerpoint/2010/main" val="438843872"/>
       </p:ext>
     </p:extLst>
   </p:cSld>
@@ -953,7 +953,7 @@
           <p:cNvPr id="2" name="标题 1">
             <a:extLst>
               <a:ext uri="{FF2B5EF4-FFF2-40B4-BE49-F238E27FC236}">
-                <a16:creationId xmlns:a16="http://schemas.microsoft.com/office/drawing/2014/main" id="{58B20D48-E572-F0CF-00D6-683F472C6FD0}"/>
+                <a16:creationId xmlns:a16="http://schemas.microsoft.com/office/drawing/2014/main" id="{A600ECAE-ECBD-94D8-CC54-26286691C8AD}"/>
               </a:ext>
             </a:extLst>
           </p:cNvPr>
@@ -990,7 +990,7 @@
           <p:cNvPr id="3" name="文本占位符 2">
             <a:extLst>
               <a:ext uri="{FF2B5EF4-FFF2-40B4-BE49-F238E27FC236}">
-                <a16:creationId xmlns:a16="http://schemas.microsoft.com/office/drawing/2014/main" id="{3AEF7FC1-0FDF-A2DE-C8F4-09DCDB580852}"/>
+                <a16:creationId xmlns:a16="http://schemas.microsoft.com/office/drawing/2014/main" id="{F3808278-B45E-7A5C-6EA3-B423D42FF6E2}"/>
               </a:ext>
             </a:extLst>
           </p:cNvPr>
@@ -1115,7 +1115,7 @@
           <p:cNvPr id="4" name="日期占位符 3">
             <a:extLst>
               <a:ext uri="{FF2B5EF4-FFF2-40B4-BE49-F238E27FC236}">
-                <a16:creationId xmlns:a16="http://schemas.microsoft.com/office/drawing/2014/main" id="{C97BA2A4-FAC3-9274-8AEC-F84F2BCBADD3}"/>
+                <a16:creationId xmlns:a16="http://schemas.microsoft.com/office/drawing/2014/main" id="{9CF1C342-6913-BFCA-4E61-A6FF9F3D2310}"/>
               </a:ext>
             </a:extLst>
           </p:cNvPr>
@@ -1131,7 +1131,7 @@
           <a:bodyPr/>
           <a:lstStyle/>
           <a:p>
-            <a:fld id="{7BB8B0DA-6FC2-4366-B4B0-D38612B2652C}" type="datetimeFigureOut">
+            <a:fld id="{5D507E84-3CF1-4785-A018-CE3C0465EEF8}" type="datetimeFigureOut">
               <a:rPr lang="zh-CN" altLang="en-US" smtClean="0"/>
               <a:t>2024/3/10</a:t>
             </a:fld>
@@ -1144,7 +1144,7 @@
           <p:cNvPr id="5" name="页脚占位符 4">
             <a:extLst>
               <a:ext uri="{FF2B5EF4-FFF2-40B4-BE49-F238E27FC236}">
-                <a16:creationId xmlns:a16="http://schemas.microsoft.com/office/drawing/2014/main" id="{404A81EA-3333-1C74-AD87-F24390B0B41A}"/>
+                <a16:creationId xmlns:a16="http://schemas.microsoft.com/office/drawing/2014/main" id="{7252A877-2FA8-3F1D-58FA-4A5EA41F87BB}"/>
               </a:ext>
             </a:extLst>
           </p:cNvPr>
@@ -1169,7 +1169,7 @@
           <p:cNvPr id="6" name="灯片编号占位符 5">
             <a:extLst>
               <a:ext uri="{FF2B5EF4-FFF2-40B4-BE49-F238E27FC236}">
-                <a16:creationId xmlns:a16="http://schemas.microsoft.com/office/drawing/2014/main" id="{E156EB40-9784-371A-33ED-86A3EE71ECAD}"/>
+                <a16:creationId xmlns:a16="http://schemas.microsoft.com/office/drawing/2014/main" id="{84C8DBE5-F62F-84A9-7886-B2B6FAD78AD6}"/>
               </a:ext>
             </a:extLst>
           </p:cNvPr>
@@ -1185,7 +1185,7 @@
           <a:bodyPr/>
           <a:lstStyle/>
           <a:p>
-            <a:fld id="{F6154162-8A0E-4AC0-B85F-47D63265E4CD}" type="slidenum">
+            <a:fld id="{66256C2F-E375-4145-9B66-D744EE1DA6D8}" type="slidenum">
               <a:rPr lang="zh-CN" altLang="en-US" smtClean="0"/>
               <a:t>‹#›</a:t>
             </a:fld>
@@ -1196,7 +1196,7 @@
     </p:spTree>
     <p:extLst>
       <p:ext uri="{BB962C8B-B14F-4D97-AF65-F5344CB8AC3E}">
-        <p14:creationId xmlns:p14="http://schemas.microsoft.com/office/powerpoint/2010/main" val="2844128098"/>
+        <p14:creationId xmlns:p14="http://schemas.microsoft.com/office/powerpoint/2010/main" val="1137179479"/>
       </p:ext>
     </p:extLst>
   </p:cSld>
@@ -1228,7 +1228,7 @@
           <p:cNvPr id="2" name="标题 1">
             <a:extLst>
               <a:ext uri="{FF2B5EF4-FFF2-40B4-BE49-F238E27FC236}">
-                <a16:creationId xmlns:a16="http://schemas.microsoft.com/office/drawing/2014/main" id="{82191D83-C246-F67B-5466-9B34DF0D2959}"/>
+                <a16:creationId xmlns:a16="http://schemas.microsoft.com/office/drawing/2014/main" id="{C159C438-4A88-44F0-B572-63E2FC5BC1FA}"/>
               </a:ext>
             </a:extLst>
           </p:cNvPr>
@@ -1256,7 +1256,7 @@
           <p:cNvPr id="3" name="内容占位符 2">
             <a:extLst>
               <a:ext uri="{FF2B5EF4-FFF2-40B4-BE49-F238E27FC236}">
-                <a16:creationId xmlns:a16="http://schemas.microsoft.com/office/drawing/2014/main" id="{E154412C-43C6-A214-C842-F385A8BE5738}"/>
+                <a16:creationId xmlns:a16="http://schemas.microsoft.com/office/drawing/2014/main" id="{CD4169C2-8BA2-157E-C388-767F957A1AF6}"/>
               </a:ext>
             </a:extLst>
           </p:cNvPr>
@@ -1318,7 +1318,7 @@
           <p:cNvPr id="4" name="内容占位符 3">
             <a:extLst>
               <a:ext uri="{FF2B5EF4-FFF2-40B4-BE49-F238E27FC236}">
-                <a16:creationId xmlns:a16="http://schemas.microsoft.com/office/drawing/2014/main" id="{A1239D5A-785B-109C-379B-44932D45EFA2}"/>
+                <a16:creationId xmlns:a16="http://schemas.microsoft.com/office/drawing/2014/main" id="{8672FA1D-2798-606C-E8D6-B6C2BA0DA44C}"/>
               </a:ext>
             </a:extLst>
           </p:cNvPr>
@@ -1380,7 +1380,7 @@
           <p:cNvPr id="5" name="日期占位符 4">
             <a:extLst>
               <a:ext uri="{FF2B5EF4-FFF2-40B4-BE49-F238E27FC236}">
-                <a16:creationId xmlns:a16="http://schemas.microsoft.com/office/drawing/2014/main" id="{A6E22FA7-CF09-B505-7C4C-43C4ADBD56D4}"/>
+                <a16:creationId xmlns:a16="http://schemas.microsoft.com/office/drawing/2014/main" id="{693AEE56-DC4D-3E7C-D58A-D355D14E7783}"/>
               </a:ext>
             </a:extLst>
           </p:cNvPr>
@@ -1396,7 +1396,7 @@
           <a:bodyPr/>
           <a:lstStyle/>
           <a:p>
-            <a:fld id="{7BB8B0DA-6FC2-4366-B4B0-D38612B2652C}" type="datetimeFigureOut">
+            <a:fld id="{5D507E84-3CF1-4785-A018-CE3C0465EEF8}" type="datetimeFigureOut">
               <a:rPr lang="zh-CN" altLang="en-US" smtClean="0"/>
               <a:t>2024/3/10</a:t>
             </a:fld>
@@ -1409,7 +1409,7 @@
           <p:cNvPr id="6" name="页脚占位符 5">
             <a:extLst>
               <a:ext uri="{FF2B5EF4-FFF2-40B4-BE49-F238E27FC236}">
-                <a16:creationId xmlns:a16="http://schemas.microsoft.com/office/drawing/2014/main" id="{A27E9A96-3528-C400-DB8E-CCAD9F335834}"/>
+                <a16:creationId xmlns:a16="http://schemas.microsoft.com/office/drawing/2014/main" id="{760691F4-A2D2-953F-B8EB-000001491EA6}"/>
               </a:ext>
             </a:extLst>
           </p:cNvPr>
@@ -1434,7 +1434,7 @@
           <p:cNvPr id="7" name="灯片编号占位符 6">
             <a:extLst>
               <a:ext uri="{FF2B5EF4-FFF2-40B4-BE49-F238E27FC236}">
-                <a16:creationId xmlns:a16="http://schemas.microsoft.com/office/drawing/2014/main" id="{3FA7A7C6-7797-40C0-DD2C-5BD6B1DBDF80}"/>
+                <a16:creationId xmlns:a16="http://schemas.microsoft.com/office/drawing/2014/main" id="{7237FC77-6C48-07FE-493B-5255477076D7}"/>
               </a:ext>
             </a:extLst>
           </p:cNvPr>
@@ -1450,7 +1450,7 @@
           <a:bodyPr/>
           <a:lstStyle/>
           <a:p>
-            <a:fld id="{F6154162-8A0E-4AC0-B85F-47D63265E4CD}" type="slidenum">
+            <a:fld id="{66256C2F-E375-4145-9B66-D744EE1DA6D8}" type="slidenum">
               <a:rPr lang="zh-CN" altLang="en-US" smtClean="0"/>
               <a:t>‹#›</a:t>
             </a:fld>
@@ -1461,7 +1461,7 @@
     </p:spTree>
     <p:extLst>
       <p:ext uri="{BB962C8B-B14F-4D97-AF65-F5344CB8AC3E}">
-        <p14:creationId xmlns:p14="http://schemas.microsoft.com/office/powerpoint/2010/main" val="3780778138"/>
+        <p14:creationId xmlns:p14="http://schemas.microsoft.com/office/powerpoint/2010/main" val="737389934"/>
       </p:ext>
     </p:extLst>
   </p:cSld>
@@ -1493,7 +1493,7 @@
           <p:cNvPr id="2" name="标题 1">
             <a:extLst>
               <a:ext uri="{FF2B5EF4-FFF2-40B4-BE49-F238E27FC236}">
-                <a16:creationId xmlns:a16="http://schemas.microsoft.com/office/drawing/2014/main" id="{18049266-E187-CF16-72FF-9930398AB175}"/>
+                <a16:creationId xmlns:a16="http://schemas.microsoft.com/office/drawing/2014/main" id="{36912D8B-08D1-CB4F-894C-BE1AD6555594}"/>
               </a:ext>
             </a:extLst>
           </p:cNvPr>
@@ -1526,7 +1526,7 @@
           <p:cNvPr id="3" name="文本占位符 2">
             <a:extLst>
               <a:ext uri="{FF2B5EF4-FFF2-40B4-BE49-F238E27FC236}">
-                <a16:creationId xmlns:a16="http://schemas.microsoft.com/office/drawing/2014/main" id="{DD0E0513-4C7C-0596-A68A-BB763562DDFC}"/>
+                <a16:creationId xmlns:a16="http://schemas.microsoft.com/office/drawing/2014/main" id="{149CC171-D192-8967-FEF1-A4AF69EDD64E}"/>
               </a:ext>
             </a:extLst>
           </p:cNvPr>
@@ -1597,7 +1597,7 @@
           <p:cNvPr id="4" name="内容占位符 3">
             <a:extLst>
               <a:ext uri="{FF2B5EF4-FFF2-40B4-BE49-F238E27FC236}">
-                <a16:creationId xmlns:a16="http://schemas.microsoft.com/office/drawing/2014/main" id="{B178153D-B366-DB95-F8C4-6692E8B1D9B9}"/>
+                <a16:creationId xmlns:a16="http://schemas.microsoft.com/office/drawing/2014/main" id="{66940DB6-F5DB-5665-5B03-D2BA8FF74A34}"/>
               </a:ext>
             </a:extLst>
           </p:cNvPr>
@@ -1659,7 +1659,7 @@
           <p:cNvPr id="5" name="文本占位符 4">
             <a:extLst>
               <a:ext uri="{FF2B5EF4-FFF2-40B4-BE49-F238E27FC236}">
-                <a16:creationId xmlns:a16="http://schemas.microsoft.com/office/drawing/2014/main" id="{23879D54-E118-6CFE-A733-13CA7F8A971F}"/>
+                <a16:creationId xmlns:a16="http://schemas.microsoft.com/office/drawing/2014/main" id="{7251B637-0C03-0A73-35DF-0B7E216E5707}"/>
               </a:ext>
             </a:extLst>
           </p:cNvPr>
@@ -1730,7 +1730,7 @@
           <p:cNvPr id="6" name="内容占位符 5">
             <a:extLst>
               <a:ext uri="{FF2B5EF4-FFF2-40B4-BE49-F238E27FC236}">
-                <a16:creationId xmlns:a16="http://schemas.microsoft.com/office/drawing/2014/main" id="{FEB6AB9B-CBF7-F17D-AF33-34A9EBA5DC8D}"/>
+                <a16:creationId xmlns:a16="http://schemas.microsoft.com/office/drawing/2014/main" id="{C23C191D-B983-8A0F-C87A-0363B99A72EE}"/>
               </a:ext>
             </a:extLst>
           </p:cNvPr>
@@ -1792,7 +1792,7 @@
           <p:cNvPr id="7" name="日期占位符 6">
             <a:extLst>
               <a:ext uri="{FF2B5EF4-FFF2-40B4-BE49-F238E27FC236}">
-                <a16:creationId xmlns:a16="http://schemas.microsoft.com/office/drawing/2014/main" id="{8DE116A6-2637-088D-C4E7-DA8707813E0C}"/>
+                <a16:creationId xmlns:a16="http://schemas.microsoft.com/office/drawing/2014/main" id="{93DBF856-3DF5-2910-588C-F42CEE3F9621}"/>
               </a:ext>
             </a:extLst>
           </p:cNvPr>
@@ -1808,7 +1808,7 @@
           <a:bodyPr/>
           <a:lstStyle/>
           <a:p>
-            <a:fld id="{7BB8B0DA-6FC2-4366-B4B0-D38612B2652C}" type="datetimeFigureOut">
+            <a:fld id="{5D507E84-3CF1-4785-A018-CE3C0465EEF8}" type="datetimeFigureOut">
               <a:rPr lang="zh-CN" altLang="en-US" smtClean="0"/>
               <a:t>2024/3/10</a:t>
             </a:fld>
@@ -1821,7 +1821,7 @@
           <p:cNvPr id="8" name="页脚占位符 7">
             <a:extLst>
               <a:ext uri="{FF2B5EF4-FFF2-40B4-BE49-F238E27FC236}">
-                <a16:creationId xmlns:a16="http://schemas.microsoft.com/office/drawing/2014/main" id="{192F78D3-D786-E700-9B06-4CA6B5F09380}"/>
+                <a16:creationId xmlns:a16="http://schemas.microsoft.com/office/drawing/2014/main" id="{E2924329-0A6F-C0AE-0468-CA730CD226B8}"/>
               </a:ext>
             </a:extLst>
           </p:cNvPr>
@@ -1846,7 +1846,7 @@
           <p:cNvPr id="9" name="灯片编号占位符 8">
             <a:extLst>
               <a:ext uri="{FF2B5EF4-FFF2-40B4-BE49-F238E27FC236}">
-                <a16:creationId xmlns:a16="http://schemas.microsoft.com/office/drawing/2014/main" id="{F7D7B432-5B3D-0F80-4E01-57DAE823B4C2}"/>
+                <a16:creationId xmlns:a16="http://schemas.microsoft.com/office/drawing/2014/main" id="{3070842A-8F5B-2239-DBA9-B504393FD3C7}"/>
               </a:ext>
             </a:extLst>
           </p:cNvPr>
@@ -1862,7 +1862,7 @@
           <a:bodyPr/>
           <a:lstStyle/>
           <a:p>
-            <a:fld id="{F6154162-8A0E-4AC0-B85F-47D63265E4CD}" type="slidenum">
+            <a:fld id="{66256C2F-E375-4145-9B66-D744EE1DA6D8}" type="slidenum">
               <a:rPr lang="zh-CN" altLang="en-US" smtClean="0"/>
               <a:t>‹#›</a:t>
             </a:fld>
@@ -1873,7 +1873,7 @@
     </p:spTree>
     <p:extLst>
       <p:ext uri="{BB962C8B-B14F-4D97-AF65-F5344CB8AC3E}">
-        <p14:creationId xmlns:p14="http://schemas.microsoft.com/office/powerpoint/2010/main" val="57754957"/>
+        <p14:creationId xmlns:p14="http://schemas.microsoft.com/office/powerpoint/2010/main" val="990644497"/>
       </p:ext>
     </p:extLst>
   </p:cSld>
@@ -1905,7 +1905,7 @@
           <p:cNvPr id="2" name="标题 1">
             <a:extLst>
               <a:ext uri="{FF2B5EF4-FFF2-40B4-BE49-F238E27FC236}">
-                <a16:creationId xmlns:a16="http://schemas.microsoft.com/office/drawing/2014/main" id="{FC96F4BA-803E-A797-EEFC-ADEC9AF43F2D}"/>
+                <a16:creationId xmlns:a16="http://schemas.microsoft.com/office/drawing/2014/main" id="{85D442D0-22A8-597E-336A-946C84DD63D6}"/>
               </a:ext>
             </a:extLst>
           </p:cNvPr>
@@ -1933,7 +1933,7 @@
           <p:cNvPr id="3" name="日期占位符 2">
             <a:extLst>
               <a:ext uri="{FF2B5EF4-FFF2-40B4-BE49-F238E27FC236}">
-                <a16:creationId xmlns:a16="http://schemas.microsoft.com/office/drawing/2014/main" id="{1D916306-A491-6D84-E316-101F68D9EE01}"/>
+                <a16:creationId xmlns:a16="http://schemas.microsoft.com/office/drawing/2014/main" id="{4F996F69-32C6-D148-AD6B-53F30574A93E}"/>
               </a:ext>
             </a:extLst>
           </p:cNvPr>
@@ -1949,7 +1949,7 @@
           <a:bodyPr/>
           <a:lstStyle/>
           <a:p>
-            <a:fld id="{7BB8B0DA-6FC2-4366-B4B0-D38612B2652C}" type="datetimeFigureOut">
+            <a:fld id="{5D507E84-3CF1-4785-A018-CE3C0465EEF8}" type="datetimeFigureOut">
               <a:rPr lang="zh-CN" altLang="en-US" smtClean="0"/>
               <a:t>2024/3/10</a:t>
             </a:fld>
@@ -1962,7 +1962,7 @@
           <p:cNvPr id="4" name="页脚占位符 3">
             <a:extLst>
               <a:ext uri="{FF2B5EF4-FFF2-40B4-BE49-F238E27FC236}">
-                <a16:creationId xmlns:a16="http://schemas.microsoft.com/office/drawing/2014/main" id="{EECFE894-F9FD-FD83-278B-45FDA857A106}"/>
+                <a16:creationId xmlns:a16="http://schemas.microsoft.com/office/drawing/2014/main" id="{809BDE22-E350-4585-FF3F-5AC9C8CD02B8}"/>
               </a:ext>
             </a:extLst>
           </p:cNvPr>
@@ -1987,7 +1987,7 @@
           <p:cNvPr id="5" name="灯片编号占位符 4">
             <a:extLst>
               <a:ext uri="{FF2B5EF4-FFF2-40B4-BE49-F238E27FC236}">
-                <a16:creationId xmlns:a16="http://schemas.microsoft.com/office/drawing/2014/main" id="{6FA17776-C646-F50E-8440-0A0032D16A5A}"/>
+                <a16:creationId xmlns:a16="http://schemas.microsoft.com/office/drawing/2014/main" id="{AF60B9FA-0B3A-FEC3-ADD7-F94F93F60111}"/>
               </a:ext>
             </a:extLst>
           </p:cNvPr>
@@ -2003,7 +2003,7 @@
           <a:bodyPr/>
           <a:lstStyle/>
           <a:p>
-            <a:fld id="{F6154162-8A0E-4AC0-B85F-47D63265E4CD}" type="slidenum">
+            <a:fld id="{66256C2F-E375-4145-9B66-D744EE1DA6D8}" type="slidenum">
               <a:rPr lang="zh-CN" altLang="en-US" smtClean="0"/>
               <a:t>‹#›</a:t>
             </a:fld>
@@ -2014,7 +2014,7 @@
     </p:spTree>
     <p:extLst>
       <p:ext uri="{BB962C8B-B14F-4D97-AF65-F5344CB8AC3E}">
-        <p14:creationId xmlns:p14="http://schemas.microsoft.com/office/powerpoint/2010/main" val="387263060"/>
+        <p14:creationId xmlns:p14="http://schemas.microsoft.com/office/powerpoint/2010/main" val="1905774278"/>
       </p:ext>
     </p:extLst>
   </p:cSld>
@@ -2046,7 +2046,7 @@
           <p:cNvPr id="2" name="日期占位符 1">
             <a:extLst>
               <a:ext uri="{FF2B5EF4-FFF2-40B4-BE49-F238E27FC236}">
-                <a16:creationId xmlns:a16="http://schemas.microsoft.com/office/drawing/2014/main" id="{0A825CD0-8836-D356-721A-2374FA359DFE}"/>
+                <a16:creationId xmlns:a16="http://schemas.microsoft.com/office/drawing/2014/main" id="{8D68E0CD-1478-C07B-D3F8-B953C607AE01}"/>
               </a:ext>
             </a:extLst>
           </p:cNvPr>
@@ -2062,7 +2062,7 @@
           <a:bodyPr/>
           <a:lstStyle/>
           <a:p>
-            <a:fld id="{7BB8B0DA-6FC2-4366-B4B0-D38612B2652C}" type="datetimeFigureOut">
+            <a:fld id="{5D507E84-3CF1-4785-A018-CE3C0465EEF8}" type="datetimeFigureOut">
               <a:rPr lang="zh-CN" altLang="en-US" smtClean="0"/>
               <a:t>2024/3/10</a:t>
             </a:fld>
@@ -2075,7 +2075,7 @@
           <p:cNvPr id="3" name="页脚占位符 2">
             <a:extLst>
               <a:ext uri="{FF2B5EF4-FFF2-40B4-BE49-F238E27FC236}">
-                <a16:creationId xmlns:a16="http://schemas.microsoft.com/office/drawing/2014/main" id="{E7BFCC2E-5BB3-346D-427F-9DE9971DD4B9}"/>
+                <a16:creationId xmlns:a16="http://schemas.microsoft.com/office/drawing/2014/main" id="{C1D42C6A-45F3-6FBD-B9F7-A67509DF6BA1}"/>
               </a:ext>
             </a:extLst>
           </p:cNvPr>
@@ -2100,7 +2100,7 @@
           <p:cNvPr id="4" name="灯片编号占位符 3">
             <a:extLst>
               <a:ext uri="{FF2B5EF4-FFF2-40B4-BE49-F238E27FC236}">
-                <a16:creationId xmlns:a16="http://schemas.microsoft.com/office/drawing/2014/main" id="{2E3282EE-E661-15DC-A48E-3D2152A610A7}"/>
+                <a16:creationId xmlns:a16="http://schemas.microsoft.com/office/drawing/2014/main" id="{546318C2-3C68-6FD2-9797-52D10DA9FE26}"/>
               </a:ext>
             </a:extLst>
           </p:cNvPr>
@@ -2116,7 +2116,7 @@
           <a:bodyPr/>
           <a:lstStyle/>
           <a:p>
-            <a:fld id="{F6154162-8A0E-4AC0-B85F-47D63265E4CD}" type="slidenum">
+            <a:fld id="{66256C2F-E375-4145-9B66-D744EE1DA6D8}" type="slidenum">
               <a:rPr lang="zh-CN" altLang="en-US" smtClean="0"/>
               <a:t>‹#›</a:t>
             </a:fld>
@@ -2127,7 +2127,7 @@
     </p:spTree>
     <p:extLst>
       <p:ext uri="{BB962C8B-B14F-4D97-AF65-F5344CB8AC3E}">
-        <p14:creationId xmlns:p14="http://schemas.microsoft.com/office/powerpoint/2010/main" val="1702697728"/>
+        <p14:creationId xmlns:p14="http://schemas.microsoft.com/office/powerpoint/2010/main" val="2022828480"/>
       </p:ext>
     </p:extLst>
   </p:cSld>
@@ -2159,7 +2159,7 @@
           <p:cNvPr id="2" name="标题 1">
             <a:extLst>
               <a:ext uri="{FF2B5EF4-FFF2-40B4-BE49-F238E27FC236}">
-                <a16:creationId xmlns:a16="http://schemas.microsoft.com/office/drawing/2014/main" id="{3D5B2686-9D26-2140-4672-959D7FB6238D}"/>
+                <a16:creationId xmlns:a16="http://schemas.microsoft.com/office/drawing/2014/main" id="{2DC08CF9-D2B5-9369-5884-EA4BE60E608B}"/>
               </a:ext>
             </a:extLst>
           </p:cNvPr>
@@ -2196,7 +2196,7 @@
           <p:cNvPr id="3" name="内容占位符 2">
             <a:extLst>
               <a:ext uri="{FF2B5EF4-FFF2-40B4-BE49-F238E27FC236}">
-                <a16:creationId xmlns:a16="http://schemas.microsoft.com/office/drawing/2014/main" id="{7E6841FD-E46C-9289-EC8C-E7B0AC8825DC}"/>
+                <a16:creationId xmlns:a16="http://schemas.microsoft.com/office/drawing/2014/main" id="{9BBD52FB-E52E-F933-99C3-220F351CA1C1}"/>
               </a:ext>
             </a:extLst>
           </p:cNvPr>
@@ -2286,7 +2286,7 @@
           <p:cNvPr id="4" name="文本占位符 3">
             <a:extLst>
               <a:ext uri="{FF2B5EF4-FFF2-40B4-BE49-F238E27FC236}">
-                <a16:creationId xmlns:a16="http://schemas.microsoft.com/office/drawing/2014/main" id="{D417AEFC-2A44-10D7-D7BA-A2F9A7A9C30F}"/>
+                <a16:creationId xmlns:a16="http://schemas.microsoft.com/office/drawing/2014/main" id="{63AAC8EC-EC93-6E36-BE96-D200BA233738}"/>
               </a:ext>
             </a:extLst>
           </p:cNvPr>
@@ -2357,7 +2357,7 @@
           <p:cNvPr id="5" name="日期占位符 4">
             <a:extLst>
               <a:ext uri="{FF2B5EF4-FFF2-40B4-BE49-F238E27FC236}">
-                <a16:creationId xmlns:a16="http://schemas.microsoft.com/office/drawing/2014/main" id="{3A3BB406-3759-66F4-A0F8-79782A5CBB36}"/>
+                <a16:creationId xmlns:a16="http://schemas.microsoft.com/office/drawing/2014/main" id="{079CD2C2-49F2-F8A0-118A-8E15689D305D}"/>
               </a:ext>
             </a:extLst>
           </p:cNvPr>
@@ -2373,7 +2373,7 @@
           <a:bodyPr/>
           <a:lstStyle/>
           <a:p>
-            <a:fld id="{7BB8B0DA-6FC2-4366-B4B0-D38612B2652C}" type="datetimeFigureOut">
+            <a:fld id="{5D507E84-3CF1-4785-A018-CE3C0465EEF8}" type="datetimeFigureOut">
               <a:rPr lang="zh-CN" altLang="en-US" smtClean="0"/>
               <a:t>2024/3/10</a:t>
             </a:fld>
@@ -2386,7 +2386,7 @@
           <p:cNvPr id="6" name="页脚占位符 5">
             <a:extLst>
               <a:ext uri="{FF2B5EF4-FFF2-40B4-BE49-F238E27FC236}">
-                <a16:creationId xmlns:a16="http://schemas.microsoft.com/office/drawing/2014/main" id="{67D00B93-0489-8FB2-9FBD-D72B4EA78219}"/>
+                <a16:creationId xmlns:a16="http://schemas.microsoft.com/office/drawing/2014/main" id="{85746F40-C359-1836-F46B-6F265D66CA8E}"/>
               </a:ext>
             </a:extLst>
           </p:cNvPr>
@@ -2411,7 +2411,7 @@
           <p:cNvPr id="7" name="灯片编号占位符 6">
             <a:extLst>
               <a:ext uri="{FF2B5EF4-FFF2-40B4-BE49-F238E27FC236}">
-                <a16:creationId xmlns:a16="http://schemas.microsoft.com/office/drawing/2014/main" id="{888D64D7-A851-5E4B-CDB3-49785251AD41}"/>
+                <a16:creationId xmlns:a16="http://schemas.microsoft.com/office/drawing/2014/main" id="{DC5BBAF7-7DC8-1BFD-A4B7-AE797099EC1F}"/>
               </a:ext>
             </a:extLst>
           </p:cNvPr>
@@ -2427,7 +2427,7 @@
           <a:bodyPr/>
           <a:lstStyle/>
           <a:p>
-            <a:fld id="{F6154162-8A0E-4AC0-B85F-47D63265E4CD}" type="slidenum">
+            <a:fld id="{66256C2F-E375-4145-9B66-D744EE1DA6D8}" type="slidenum">
               <a:rPr lang="zh-CN" altLang="en-US" smtClean="0"/>
               <a:t>‹#›</a:t>
             </a:fld>
@@ -2438,7 +2438,7 @@
     </p:spTree>
     <p:extLst>
       <p:ext uri="{BB962C8B-B14F-4D97-AF65-F5344CB8AC3E}">
-        <p14:creationId xmlns:p14="http://schemas.microsoft.com/office/powerpoint/2010/main" val="973110044"/>
+        <p14:creationId xmlns:p14="http://schemas.microsoft.com/office/powerpoint/2010/main" val="4203816805"/>
       </p:ext>
     </p:extLst>
   </p:cSld>
@@ -2470,7 +2470,7 @@
           <p:cNvPr id="2" name="标题 1">
             <a:extLst>
               <a:ext uri="{FF2B5EF4-FFF2-40B4-BE49-F238E27FC236}">
-                <a16:creationId xmlns:a16="http://schemas.microsoft.com/office/drawing/2014/main" id="{9E271928-DC08-178C-F18B-13BC313A80E0}"/>
+                <a16:creationId xmlns:a16="http://schemas.microsoft.com/office/drawing/2014/main" id="{CA049AB7-F767-65D8-D2CD-2B99770E3FB6}"/>
               </a:ext>
             </a:extLst>
           </p:cNvPr>
@@ -2507,7 +2507,7 @@
           <p:cNvPr id="3" name="图片占位符 2">
             <a:extLst>
               <a:ext uri="{FF2B5EF4-FFF2-40B4-BE49-F238E27FC236}">
-                <a16:creationId xmlns:a16="http://schemas.microsoft.com/office/drawing/2014/main" id="{40B7F805-B699-E2D7-DB37-68AB05ACD47F}"/>
+                <a16:creationId xmlns:a16="http://schemas.microsoft.com/office/drawing/2014/main" id="{C50B4B21-ADD8-B26D-4A90-00532619C563}"/>
               </a:ext>
             </a:extLst>
           </p:cNvPr>
@@ -2574,7 +2574,7 @@
           <p:cNvPr id="4" name="文本占位符 3">
             <a:extLst>
               <a:ext uri="{FF2B5EF4-FFF2-40B4-BE49-F238E27FC236}">
-                <a16:creationId xmlns:a16="http://schemas.microsoft.com/office/drawing/2014/main" id="{ABA0614A-87CF-C42D-D4F1-CC2F62781684}"/>
+                <a16:creationId xmlns:a16="http://schemas.microsoft.com/office/drawing/2014/main" id="{DFEA97B7-240E-B252-19D5-0D6497CBC029}"/>
               </a:ext>
             </a:extLst>
           </p:cNvPr>
@@ -2645,7 +2645,7 @@
           <p:cNvPr id="5" name="日期占位符 4">
             <a:extLst>
               <a:ext uri="{FF2B5EF4-FFF2-40B4-BE49-F238E27FC236}">
-                <a16:creationId xmlns:a16="http://schemas.microsoft.com/office/drawing/2014/main" id="{880512FA-D061-D777-85CD-9777444D1D7F}"/>
+                <a16:creationId xmlns:a16="http://schemas.microsoft.com/office/drawing/2014/main" id="{E657D5BA-FFF8-C4CD-A515-41BFEEA7D57C}"/>
               </a:ext>
             </a:extLst>
           </p:cNvPr>
@@ -2661,7 +2661,7 @@
           <a:bodyPr/>
           <a:lstStyle/>
           <a:p>
-            <a:fld id="{7BB8B0DA-6FC2-4366-B4B0-D38612B2652C}" type="datetimeFigureOut">
+            <a:fld id="{5D507E84-3CF1-4785-A018-CE3C0465EEF8}" type="datetimeFigureOut">
               <a:rPr lang="zh-CN" altLang="en-US" smtClean="0"/>
               <a:t>2024/3/10</a:t>
             </a:fld>
@@ -2674,7 +2674,7 @@
           <p:cNvPr id="6" name="页脚占位符 5">
             <a:extLst>
               <a:ext uri="{FF2B5EF4-FFF2-40B4-BE49-F238E27FC236}">
-                <a16:creationId xmlns:a16="http://schemas.microsoft.com/office/drawing/2014/main" id="{C315AEC0-D404-732B-C31F-54BC7A704C07}"/>
+                <a16:creationId xmlns:a16="http://schemas.microsoft.com/office/drawing/2014/main" id="{F4E69C46-AC98-81F2-17CB-65AFBE16AF00}"/>
               </a:ext>
             </a:extLst>
           </p:cNvPr>
@@ -2699,7 +2699,7 @@
           <p:cNvPr id="7" name="灯片编号占位符 6">
             <a:extLst>
               <a:ext uri="{FF2B5EF4-FFF2-40B4-BE49-F238E27FC236}">
-                <a16:creationId xmlns:a16="http://schemas.microsoft.com/office/drawing/2014/main" id="{F02C0A5F-8D84-AFE1-4E93-6452431234F5}"/>
+                <a16:creationId xmlns:a16="http://schemas.microsoft.com/office/drawing/2014/main" id="{4DB44412-2466-3FE3-3173-35A82B0B8477}"/>
               </a:ext>
             </a:extLst>
           </p:cNvPr>
@@ -2715,7 +2715,7 @@
           <a:bodyPr/>
           <a:lstStyle/>
           <a:p>
-            <a:fld id="{F6154162-8A0E-4AC0-B85F-47D63265E4CD}" type="slidenum">
+            <a:fld id="{66256C2F-E375-4145-9B66-D744EE1DA6D8}" type="slidenum">
               <a:rPr lang="zh-CN" altLang="en-US" smtClean="0"/>
               <a:t>‹#›</a:t>
             </a:fld>
@@ -2726,7 +2726,7 @@
     </p:spTree>
     <p:extLst>
       <p:ext uri="{BB962C8B-B14F-4D97-AF65-F5344CB8AC3E}">
-        <p14:creationId xmlns:p14="http://schemas.microsoft.com/office/powerpoint/2010/main" val="1308450506"/>
+        <p14:creationId xmlns:p14="http://schemas.microsoft.com/office/powerpoint/2010/main" val="1268502572"/>
       </p:ext>
     </p:extLst>
   </p:cSld>
@@ -2763,7 +2763,7 @@
           <p:cNvPr id="2" name="标题占位符 1">
             <a:extLst>
               <a:ext uri="{FF2B5EF4-FFF2-40B4-BE49-F238E27FC236}">
-                <a16:creationId xmlns:a16="http://schemas.microsoft.com/office/drawing/2014/main" id="{214E8FA2-FF84-C30C-70E7-85B42AD216AE}"/>
+                <a16:creationId xmlns:a16="http://schemas.microsoft.com/office/drawing/2014/main" id="{38A831A0-0297-12AF-E588-DFA9439B370A}"/>
               </a:ext>
             </a:extLst>
           </p:cNvPr>
@@ -2801,7 +2801,7 @@
           <p:cNvPr id="3" name="文本占位符 2">
             <a:extLst>
               <a:ext uri="{FF2B5EF4-FFF2-40B4-BE49-F238E27FC236}">
-                <a16:creationId xmlns:a16="http://schemas.microsoft.com/office/drawing/2014/main" id="{B4DCAEAB-0F1E-6EDA-A252-1AA2832C10D8}"/>
+                <a16:creationId xmlns:a16="http://schemas.microsoft.com/office/drawing/2014/main" id="{AC83194D-6A00-D26E-0142-FEE9D89C5BAB}"/>
               </a:ext>
             </a:extLst>
           </p:cNvPr>
@@ -2868,7 +2868,7 @@
           <p:cNvPr id="4" name="日期占位符 3">
             <a:extLst>
               <a:ext uri="{FF2B5EF4-FFF2-40B4-BE49-F238E27FC236}">
-                <a16:creationId xmlns:a16="http://schemas.microsoft.com/office/drawing/2014/main" id="{E9AF9FA9-D8A4-9D1E-1054-A978649509B0}"/>
+                <a16:creationId xmlns:a16="http://schemas.microsoft.com/office/drawing/2014/main" id="{B19EBE98-3B0B-3EEF-62BB-89D543CB9E80}"/>
               </a:ext>
             </a:extLst>
           </p:cNvPr>
@@ -2902,7 +2902,7 @@
             </a:lvl1pPr>
           </a:lstStyle>
           <a:p>
-            <a:fld id="{7BB8B0DA-6FC2-4366-B4B0-D38612B2652C}" type="datetimeFigureOut">
+            <a:fld id="{5D507E84-3CF1-4785-A018-CE3C0465EEF8}" type="datetimeFigureOut">
               <a:rPr lang="zh-CN" altLang="en-US" smtClean="0"/>
               <a:t>2024/3/10</a:t>
             </a:fld>
@@ -2915,7 +2915,7 @@
           <p:cNvPr id="5" name="页脚占位符 4">
             <a:extLst>
               <a:ext uri="{FF2B5EF4-FFF2-40B4-BE49-F238E27FC236}">
-                <a16:creationId xmlns:a16="http://schemas.microsoft.com/office/drawing/2014/main" id="{EBAE2711-7C35-114E-C882-F61BC232CEF1}"/>
+                <a16:creationId xmlns:a16="http://schemas.microsoft.com/office/drawing/2014/main" id="{BD4630F4-5D05-7D76-B7D5-35F70ABF18BB}"/>
               </a:ext>
             </a:extLst>
           </p:cNvPr>
@@ -2958,7 +2958,7 @@
           <p:cNvPr id="6" name="灯片编号占位符 5">
             <a:extLst>
               <a:ext uri="{FF2B5EF4-FFF2-40B4-BE49-F238E27FC236}">
-                <a16:creationId xmlns:a16="http://schemas.microsoft.com/office/drawing/2014/main" id="{5B3F3A63-D6EF-734F-F31A-E7F7F204CE9F}"/>
+                <a16:creationId xmlns:a16="http://schemas.microsoft.com/office/drawing/2014/main" id="{07D52472-C5E3-32AA-DD77-1C995F0AE3C6}"/>
               </a:ext>
             </a:extLst>
           </p:cNvPr>
@@ -2992,7 +2992,7 @@
             </a:lvl1pPr>
           </a:lstStyle>
           <a:p>
-            <a:fld id="{F6154162-8A0E-4AC0-B85F-47D63265E4CD}" type="slidenum">
+            <a:fld id="{66256C2F-E375-4145-9B66-D744EE1DA6D8}" type="slidenum">
               <a:rPr lang="zh-CN" altLang="en-US" smtClean="0"/>
               <a:t>‹#›</a:t>
             </a:fld>
@@ -3003,7 +3003,7 @@
     </p:spTree>
     <p:extLst>
       <p:ext uri="{BB962C8B-B14F-4D97-AF65-F5344CB8AC3E}">
-        <p14:creationId xmlns:p14="http://schemas.microsoft.com/office/powerpoint/2010/main" val="2372069342"/>
+        <p14:creationId xmlns:p14="http://schemas.microsoft.com/office/powerpoint/2010/main" val="3074222136"/>
       </p:ext>
     </p:extLst>
   </p:cSld>
